--- a/PPT/2-3-Projektmunka.pptx
+++ b/PPT/2-3-Projektmunka.pptx
@@ -269,7 +269,7 @@
           <a:p>
             <a:fld id="{6F529839-42BE-4046-B495-20C90C63615A}" type="datetimeFigureOut">
               <a:rPr lang="en-US" smtClean="0"/>
-              <a:t>11/17/2022</a:t>
+              <a:t>11/30/2022</a:t>
             </a:fld>
             <a:endParaRPr lang="en-US"/>
           </a:p>
@@ -469,7 +469,7 @@
           <a:p>
             <a:fld id="{6F529839-42BE-4046-B495-20C90C63615A}" type="datetimeFigureOut">
               <a:rPr lang="en-US" smtClean="0"/>
-              <a:t>11/17/2022</a:t>
+              <a:t>11/30/2022</a:t>
             </a:fld>
             <a:endParaRPr lang="en-US"/>
           </a:p>
@@ -679,7 +679,7 @@
           <a:p>
             <a:fld id="{6F529839-42BE-4046-B495-20C90C63615A}" type="datetimeFigureOut">
               <a:rPr lang="en-US" smtClean="0"/>
-              <a:t>11/17/2022</a:t>
+              <a:t>11/30/2022</a:t>
             </a:fld>
             <a:endParaRPr lang="en-US"/>
           </a:p>
@@ -879,7 +879,7 @@
           <a:p>
             <a:fld id="{6F529839-42BE-4046-B495-20C90C63615A}" type="datetimeFigureOut">
               <a:rPr lang="en-US" smtClean="0"/>
-              <a:t>11/17/2022</a:t>
+              <a:t>11/30/2022</a:t>
             </a:fld>
             <a:endParaRPr lang="en-US"/>
           </a:p>
@@ -1155,7 +1155,7 @@
           <a:p>
             <a:fld id="{6F529839-42BE-4046-B495-20C90C63615A}" type="datetimeFigureOut">
               <a:rPr lang="en-US" smtClean="0"/>
-              <a:t>11/17/2022</a:t>
+              <a:t>11/30/2022</a:t>
             </a:fld>
             <a:endParaRPr lang="en-US"/>
           </a:p>
@@ -1423,7 +1423,7 @@
           <a:p>
             <a:fld id="{6F529839-42BE-4046-B495-20C90C63615A}" type="datetimeFigureOut">
               <a:rPr lang="en-US" smtClean="0"/>
-              <a:t>11/17/2022</a:t>
+              <a:t>11/30/2022</a:t>
             </a:fld>
             <a:endParaRPr lang="en-US"/>
           </a:p>
@@ -1838,7 +1838,7 @@
           <a:p>
             <a:fld id="{6F529839-42BE-4046-B495-20C90C63615A}" type="datetimeFigureOut">
               <a:rPr lang="en-US" smtClean="0"/>
-              <a:t>11/17/2022</a:t>
+              <a:t>11/30/2022</a:t>
             </a:fld>
             <a:endParaRPr lang="en-US"/>
           </a:p>
@@ -1980,7 +1980,7 @@
           <a:p>
             <a:fld id="{6F529839-42BE-4046-B495-20C90C63615A}" type="datetimeFigureOut">
               <a:rPr lang="en-US" smtClean="0"/>
-              <a:t>11/17/2022</a:t>
+              <a:t>11/30/2022</a:t>
             </a:fld>
             <a:endParaRPr lang="en-US"/>
           </a:p>
@@ -2093,7 +2093,7 @@
           <a:p>
             <a:fld id="{6F529839-42BE-4046-B495-20C90C63615A}" type="datetimeFigureOut">
               <a:rPr lang="en-US" smtClean="0"/>
-              <a:t>11/17/2022</a:t>
+              <a:t>11/30/2022</a:t>
             </a:fld>
             <a:endParaRPr lang="en-US"/>
           </a:p>
@@ -2406,7 +2406,7 @@
           <a:p>
             <a:fld id="{6F529839-42BE-4046-B495-20C90C63615A}" type="datetimeFigureOut">
               <a:rPr lang="en-US" smtClean="0"/>
-              <a:t>11/17/2022</a:t>
+              <a:t>11/30/2022</a:t>
             </a:fld>
             <a:endParaRPr lang="en-US"/>
           </a:p>
@@ -2695,7 +2695,7 @@
           <a:p>
             <a:fld id="{6F529839-42BE-4046-B495-20C90C63615A}" type="datetimeFigureOut">
               <a:rPr lang="en-US" smtClean="0"/>
-              <a:t>11/17/2022</a:t>
+              <a:t>11/30/2022</a:t>
             </a:fld>
             <a:endParaRPr lang="en-US"/>
           </a:p>
@@ -2938,7 +2938,7 @@
           <a:p>
             <a:fld id="{6F529839-42BE-4046-B495-20C90C63615A}" type="datetimeFigureOut">
               <a:rPr lang="en-US" smtClean="0"/>
-              <a:t>11/17/2022</a:t>
+              <a:t>11/30/2022</a:t>
             </a:fld>
             <a:endParaRPr lang="en-US"/>
           </a:p>
@@ -3379,8 +3379,8 @@
           <a:lstStyle/>
           <a:p>
             <a:r>
-              <a:rPr lang="hu-HU" sz="8000" dirty="0"/>
-              <a:t>2-3. Projektmunka</a:t>
+              <a:rPr lang="hu-HU" sz="8000"/>
+              <a:t>Projektmunka</a:t>
             </a:r>
             <a:endParaRPr lang="en-US" sz="8000" dirty="0"/>
           </a:p>
@@ -4548,10 +4548,10 @@
       </p:grpSpPr>
       <p:sp>
         <p:nvSpPr>
-          <p:cNvPr id="2" name="Cím 1">
-            <a:extLst>
-              <a:ext uri="{FF2B5EF4-FFF2-40B4-BE49-F238E27FC236}">
-                <a16:creationId xmlns:a16="http://schemas.microsoft.com/office/drawing/2014/main" id="{A27C16D2-38D1-4827-8394-A9A0B67438F9}"/>
+          <p:cNvPr id="2" name="Title 1">
+            <a:extLst>
+              <a:ext uri="{FF2B5EF4-FFF2-40B4-BE49-F238E27FC236}">
+                <a16:creationId xmlns:a16="http://schemas.microsoft.com/office/drawing/2014/main" id="{776DDDBA-BA0D-9E08-98DD-9AAC78F0EE11}"/>
               </a:ext>
             </a:extLst>
           </p:cNvPr>
@@ -4562,141 +4562,47 @@
             <p:ph type="title"/>
           </p:nvPr>
         </p:nvSpPr>
-        <p:spPr>
-          <a:xfrm>
-            <a:off x="2053166" y="348657"/>
-            <a:ext cx="8085666" cy="1325563"/>
-          </a:xfrm>
-        </p:spPr>
-        <p:txBody>
-          <a:bodyPr>
-            <a:noAutofit/>
-          </a:bodyPr>
-          <a:lstStyle/>
-          <a:p>
-            <a:r>
-              <a:rPr lang="hu-HU" sz="6000" dirty="0"/>
-              <a:t>Köszönjük a figyelmet!</a:t>
-            </a:r>
-            <a:endParaRPr lang="en-US" sz="6000" dirty="0"/>
-          </a:p>
-        </p:txBody>
-      </p:sp>
-      <p:pic>
-        <p:nvPicPr>
-          <p:cNvPr id="5" name="Kép 4">
-            <a:extLst>
-              <a:ext uri="{FF2B5EF4-FFF2-40B4-BE49-F238E27FC236}">
-                <a16:creationId xmlns:a16="http://schemas.microsoft.com/office/drawing/2014/main" id="{D0FC049C-828A-4558-A9CF-4E2BAED14905}"/>
-              </a:ext>
-            </a:extLst>
-          </p:cNvPr>
-          <p:cNvPicPr>
-            <a:picLocks noChangeAspect="1"/>
-          </p:cNvPicPr>
-          <p:nvPr/>
-        </p:nvPicPr>
-        <p:blipFill>
-          <a:blip r:embed="rId2">
-            <a:extLst>
-              <a:ext uri="{28A0092B-C50C-407E-A947-70E740481C1C}">
-                <a14:useLocalDpi xmlns:a14="http://schemas.microsoft.com/office/drawing/2010/main" val="0"/>
-              </a:ext>
-            </a:extLst>
-          </a:blip>
-          <a:stretch>
-            <a:fillRect/>
-          </a:stretch>
-        </p:blipFill>
-        <p:spPr>
-          <a:xfrm>
-            <a:off x="1596102" y="1674220"/>
-            <a:ext cx="3614747" cy="2809644"/>
-          </a:xfrm>
-          <a:prstGeom prst="rect">
-            <a:avLst/>
-          </a:prstGeom>
-        </p:spPr>
-      </p:pic>
-      <p:pic>
-        <p:nvPicPr>
-          <p:cNvPr id="7" name="Kép 6">
-            <a:extLst>
-              <a:ext uri="{FF2B5EF4-FFF2-40B4-BE49-F238E27FC236}">
-                <a16:creationId xmlns:a16="http://schemas.microsoft.com/office/drawing/2014/main" id="{CD256E76-E604-4146-AF33-EE1690471190}"/>
-              </a:ext>
-            </a:extLst>
-          </p:cNvPr>
-          <p:cNvPicPr>
-            <a:picLocks noChangeAspect="1"/>
-          </p:cNvPicPr>
-          <p:nvPr/>
-        </p:nvPicPr>
-        <p:blipFill>
-          <a:blip r:embed="rId3">
-            <a:extLst>
-              <a:ext uri="{28A0092B-C50C-407E-A947-70E740481C1C}">
-                <a14:useLocalDpi xmlns:a14="http://schemas.microsoft.com/office/drawing/2010/main" val="0"/>
-              </a:ext>
-            </a:extLst>
-          </a:blip>
-          <a:stretch>
-            <a:fillRect/>
-          </a:stretch>
-        </p:blipFill>
-        <p:spPr>
-          <a:xfrm>
-            <a:off x="7274880" y="1788341"/>
-            <a:ext cx="3027285" cy="3027285"/>
-          </a:xfrm>
-          <a:prstGeom prst="rect">
-            <a:avLst/>
-          </a:prstGeom>
-        </p:spPr>
-      </p:pic>
-      <p:sp>
-        <p:nvSpPr>
-          <p:cNvPr id="10" name="Szövegdoboz 9">
-            <a:extLst>
-              <a:ext uri="{FF2B5EF4-FFF2-40B4-BE49-F238E27FC236}">
-                <a16:creationId xmlns:a16="http://schemas.microsoft.com/office/drawing/2014/main" id="{07F9335E-D9A9-4921-ADF9-FC44BA4FE52E}"/>
-              </a:ext>
-            </a:extLst>
-          </p:cNvPr>
-          <p:cNvSpPr txBox="1"/>
-          <p:nvPr/>
-        </p:nvSpPr>
-        <p:spPr>
-          <a:xfrm>
-            <a:off x="3623568" y="5344807"/>
-            <a:ext cx="4944862" cy="769441"/>
-          </a:xfrm>
-          <a:prstGeom prst="rect">
-            <a:avLst/>
-          </a:prstGeom>
-          <a:noFill/>
-        </p:spPr>
-        <p:txBody>
-          <a:bodyPr wrap="square" rtlCol="0">
-            <a:spAutoFit/>
-          </a:bodyPr>
-          <a:lstStyle/>
-          <a:p>
-            <a:r>
-              <a:rPr lang="en-US" sz="4400" b="0" i="0">
-                <a:effectLst/>
-                <a:latin typeface="Whitney"/>
-              </a:rPr>
-              <a:t>shorturl.at/kmFG6</a:t>
-            </a:r>
-            <a:endParaRPr lang="en-US" sz="4400"/>
+        <p:spPr/>
+        <p:txBody>
+          <a:bodyPr/>
+          <a:lstStyle/>
+          <a:p>
+            <a:r>
+              <a:rPr lang="en-US" dirty="0"/>
+              <a:t>Source</a:t>
+            </a:r>
+          </a:p>
+        </p:txBody>
+      </p:sp>
+      <p:sp>
+        <p:nvSpPr>
+          <p:cNvPr id="3" name="Content Placeholder 2">
+            <a:extLst>
+              <a:ext uri="{FF2B5EF4-FFF2-40B4-BE49-F238E27FC236}">
+                <a16:creationId xmlns:a16="http://schemas.microsoft.com/office/drawing/2014/main" id="{EE55D94B-6AD2-F862-6D02-7C59AF879567}"/>
+              </a:ext>
+            </a:extLst>
+          </p:cNvPr>
+          <p:cNvSpPr>
+            <a:spLocks noGrp="1"/>
+          </p:cNvSpPr>
+          <p:nvPr>
+            <p:ph idx="1"/>
+          </p:nvPr>
+        </p:nvSpPr>
+        <p:spPr/>
+        <p:txBody>
+          <a:bodyPr/>
+          <a:lstStyle/>
+          <a:p>
+            <a:endParaRPr lang="en-US" dirty="0"/>
           </a:p>
         </p:txBody>
       </p:sp>
     </p:spTree>
     <p:extLst>
       <p:ext uri="{BB962C8B-B14F-4D97-AF65-F5344CB8AC3E}">
-        <p14:creationId xmlns:p14="http://schemas.microsoft.com/office/powerpoint/2010/main" val="134212532"/>
+        <p14:creationId xmlns:p14="http://schemas.microsoft.com/office/powerpoint/2010/main" val="254093412"/>
       </p:ext>
     </p:extLst>
   </p:cSld>

--- a/PPT/2-3-Projektmunka.pptx
+++ b/PPT/2-3-Projektmunka.pptx
@@ -13,7 +13,10 @@
     <p:sldId id="262" r:id="rId7"/>
     <p:sldId id="260" r:id="rId8"/>
     <p:sldId id="261" r:id="rId9"/>
-    <p:sldId id="264" r:id="rId10"/>
+    <p:sldId id="267" r:id="rId10"/>
+    <p:sldId id="264" r:id="rId11"/>
+    <p:sldId id="265" r:id="rId12"/>
+    <p:sldId id="266" r:id="rId13"/>
   </p:sldIdLst>
   <p:sldSz cx="12192000" cy="6858000"/>
   <p:notesSz cx="6858000" cy="9144000"/>
@@ -3433,6 +3436,871 @@
 </p:sld>
 </file>
 
+<file path=ppt/slides/slide10.xml><?xml version="1.0" encoding="utf-8"?>
+<p:sld xmlns:a="http://schemas.openxmlformats.org/drawingml/2006/main" xmlns:r="http://schemas.openxmlformats.org/officeDocument/2006/relationships" xmlns:p="http://schemas.openxmlformats.org/presentationml/2006/main">
+  <p:cSld>
+    <p:spTree>
+      <p:nvGrpSpPr>
+        <p:cNvPr id="1" name=""/>
+        <p:cNvGrpSpPr/>
+        <p:nvPr/>
+      </p:nvGrpSpPr>
+      <p:grpSpPr>
+        <a:xfrm>
+          <a:off x="0" y="0"/>
+          <a:ext cx="0" cy="0"/>
+          <a:chOff x="0" y="0"/>
+          <a:chExt cx="0" cy="0"/>
+        </a:xfrm>
+      </p:grpSpPr>
+      <p:sp>
+        <p:nvSpPr>
+          <p:cNvPr id="2" name="Title 1">
+            <a:extLst>
+              <a:ext uri="{FF2B5EF4-FFF2-40B4-BE49-F238E27FC236}">
+                <a16:creationId xmlns:a16="http://schemas.microsoft.com/office/drawing/2014/main" id="{776DDDBA-BA0D-9E08-98DD-9AAC78F0EE11}"/>
+              </a:ext>
+            </a:extLst>
+          </p:cNvPr>
+          <p:cNvSpPr>
+            <a:spLocks noGrp="1"/>
+          </p:cNvSpPr>
+          <p:nvPr>
+            <p:ph type="title"/>
+          </p:nvPr>
+        </p:nvSpPr>
+        <p:spPr/>
+        <p:txBody>
+          <a:bodyPr/>
+          <a:lstStyle/>
+          <a:p>
+            <a:r>
+              <a:rPr lang="en-US" dirty="0"/>
+              <a:t>R-SZEGED </a:t>
+            </a:r>
+            <a:r>
+              <a:rPr lang="en-US" dirty="0" err="1"/>
+              <a:t>Kommandok</a:t>
+            </a:r>
+            <a:endParaRPr lang="en-US" dirty="0"/>
+          </a:p>
+        </p:txBody>
+      </p:sp>
+      <p:sp>
+        <p:nvSpPr>
+          <p:cNvPr id="3" name="Content Placeholder 2">
+            <a:extLst>
+              <a:ext uri="{FF2B5EF4-FFF2-40B4-BE49-F238E27FC236}">
+                <a16:creationId xmlns:a16="http://schemas.microsoft.com/office/drawing/2014/main" id="{EE55D94B-6AD2-F862-6D02-7C59AF879567}"/>
+              </a:ext>
+            </a:extLst>
+          </p:cNvPr>
+          <p:cNvSpPr>
+            <a:spLocks noGrp="1"/>
+          </p:cNvSpPr>
+          <p:nvPr>
+            <p:ph idx="1"/>
+          </p:nvPr>
+        </p:nvSpPr>
+        <p:spPr>
+          <a:xfrm>
+            <a:off x="838200" y="1473200"/>
+            <a:ext cx="10515600" cy="5019675"/>
+          </a:xfrm>
+        </p:spPr>
+        <p:txBody>
+          <a:bodyPr>
+            <a:normAutofit lnSpcReduction="10000"/>
+          </a:bodyPr>
+          <a:lstStyle/>
+          <a:p>
+            <a:pPr marL="0" indent="0">
+              <a:buNone/>
+            </a:pPr>
+            <a:r>
+              <a:rPr lang="en-US" sz="1800" dirty="0"/>
+              <a:t> hostname R-SZEGED</a:t>
+            </a:r>
+          </a:p>
+          <a:p>
+            <a:pPr marL="0" indent="0">
+              <a:buNone/>
+            </a:pPr>
+            <a:r>
+              <a:rPr lang="en-US" sz="1800" dirty="0"/>
+              <a:t> enable password PROJEKT</a:t>
+            </a:r>
+          </a:p>
+          <a:p>
+            <a:pPr marL="0" indent="0">
+              <a:buNone/>
+            </a:pPr>
+            <a:r>
+              <a:rPr lang="en-US" sz="1800" dirty="0"/>
+              <a:t> interface GigabitEthernet4/0</a:t>
+            </a:r>
+          </a:p>
+          <a:p>
+            <a:pPr marL="0" indent="0">
+              <a:buNone/>
+            </a:pPr>
+            <a:r>
+              <a:rPr lang="en-US" sz="1800" dirty="0"/>
+              <a:t> </a:t>
+            </a:r>
+            <a:r>
+              <a:rPr lang="en-US" sz="1800" dirty="0" err="1"/>
+              <a:t>ip</a:t>
+            </a:r>
+            <a:r>
+              <a:rPr lang="en-US" sz="1800" dirty="0"/>
+              <a:t> address 187.20.0.198 255.255.255.252</a:t>
+            </a:r>
+          </a:p>
+          <a:p>
+            <a:pPr marL="0" indent="0">
+              <a:buNone/>
+            </a:pPr>
+            <a:r>
+              <a:rPr lang="en-US" sz="1800" dirty="0"/>
+              <a:t> interface GigabitEthernet6/0</a:t>
+            </a:r>
+          </a:p>
+          <a:p>
+            <a:pPr marL="0" indent="0">
+              <a:buNone/>
+            </a:pPr>
+            <a:r>
+              <a:rPr lang="en-US" sz="1800" dirty="0"/>
+              <a:t> </a:t>
+            </a:r>
+            <a:r>
+              <a:rPr lang="en-US" sz="1800" dirty="0" err="1"/>
+              <a:t>ip</a:t>
+            </a:r>
+            <a:r>
+              <a:rPr lang="en-US" sz="1800" dirty="0"/>
+              <a:t> address 187.20.0.194 255.255.255.252</a:t>
+            </a:r>
+          </a:p>
+          <a:p>
+            <a:pPr marL="0" indent="0">
+              <a:buNone/>
+            </a:pPr>
+            <a:r>
+              <a:rPr lang="en-US" sz="1800" dirty="0"/>
+              <a:t> interface GigabitEthernet8/0</a:t>
+            </a:r>
+          </a:p>
+          <a:p>
+            <a:pPr marL="0" indent="0">
+              <a:buNone/>
+            </a:pPr>
+            <a:r>
+              <a:rPr lang="en-US" sz="1800" dirty="0"/>
+              <a:t> </a:t>
+            </a:r>
+            <a:r>
+              <a:rPr lang="en-US" sz="1800" dirty="0" err="1"/>
+              <a:t>ip</a:t>
+            </a:r>
+            <a:r>
+              <a:rPr lang="en-US" sz="1800" dirty="0"/>
+              <a:t> address 187.20.0.201 255.255.255.252</a:t>
+            </a:r>
+          </a:p>
+          <a:p>
+            <a:pPr marL="0" indent="0">
+              <a:buNone/>
+            </a:pPr>
+            <a:r>
+              <a:rPr lang="en-US" sz="1800" dirty="0"/>
+              <a:t> router rip</a:t>
+            </a:r>
+          </a:p>
+          <a:p>
+            <a:pPr marL="0" indent="0">
+              <a:buNone/>
+            </a:pPr>
+            <a:r>
+              <a:rPr lang="en-US" sz="1800" dirty="0"/>
+              <a:t> </a:t>
+            </a:r>
+            <a:r>
+              <a:rPr lang="en-US" sz="1800" dirty="0" err="1"/>
+              <a:t>ip</a:t>
+            </a:r>
+            <a:r>
+              <a:rPr lang="en-US" sz="1800" dirty="0"/>
+              <a:t> route 187.20.0.0 255.255.255.128 187.20.0.197 </a:t>
+            </a:r>
+          </a:p>
+          <a:p>
+            <a:pPr marL="0" indent="0">
+              <a:buNone/>
+            </a:pPr>
+            <a:r>
+              <a:rPr lang="en-US" sz="1800" dirty="0"/>
+              <a:t> </a:t>
+            </a:r>
+            <a:r>
+              <a:rPr lang="en-US" sz="1800" dirty="0" err="1"/>
+              <a:t>ip</a:t>
+            </a:r>
+            <a:r>
+              <a:rPr lang="en-US" sz="1800" dirty="0"/>
+              <a:t> route 187.20.0.128 255.255.255.192 187.20.0.193 </a:t>
+            </a:r>
+          </a:p>
+          <a:p>
+            <a:pPr marL="0" indent="0">
+              <a:buNone/>
+            </a:pPr>
+            <a:r>
+              <a:rPr lang="en-US" sz="1800" dirty="0"/>
+              <a:t> </a:t>
+            </a:r>
+            <a:r>
+              <a:rPr lang="en-US" sz="1800" dirty="0" err="1"/>
+              <a:t>ip</a:t>
+            </a:r>
+            <a:r>
+              <a:rPr lang="en-US" sz="1800" dirty="0"/>
+              <a:t> route 192.168.50.0 255.255.255.0 187.20.0.202 </a:t>
+            </a:r>
+          </a:p>
+          <a:p>
+            <a:pPr marL="0" indent="0">
+              <a:buNone/>
+            </a:pPr>
+            <a:r>
+              <a:rPr lang="en-US" sz="1800" dirty="0"/>
+              <a:t> </a:t>
+            </a:r>
+            <a:r>
+              <a:rPr lang="en-US" sz="1800" dirty="0" err="1"/>
+              <a:t>ip</a:t>
+            </a:r>
+            <a:r>
+              <a:rPr lang="en-US" sz="1800" dirty="0"/>
+              <a:t> route 187.20.0.204 255.255.255.252 187.20.0.202 </a:t>
+            </a:r>
+          </a:p>
+          <a:p>
+            <a:pPr marL="0" indent="0">
+              <a:buNone/>
+            </a:pPr>
+            <a:r>
+              <a:rPr lang="en-US" sz="1800" dirty="0"/>
+              <a:t> banner </a:t>
+            </a:r>
+            <a:r>
+              <a:rPr lang="en-US" sz="1800" dirty="0" err="1"/>
+              <a:t>motd</a:t>
+            </a:r>
+            <a:r>
+              <a:rPr lang="en-US" sz="1800" dirty="0"/>
+              <a:t> ^C </a:t>
+            </a:r>
+            <a:r>
+              <a:rPr lang="en-US" sz="1800" dirty="0" err="1"/>
+              <a:t>Szabadsagot</a:t>
+            </a:r>
+            <a:r>
+              <a:rPr lang="en-US" sz="1800" dirty="0"/>
+              <a:t> </a:t>
+            </a:r>
+            <a:r>
+              <a:rPr lang="en-US" sz="1800" dirty="0" err="1"/>
+              <a:t>Magyarorszagnak</a:t>
+            </a:r>
+            <a:r>
+              <a:rPr lang="en-US" sz="1800" dirty="0"/>
+              <a:t> ^C</a:t>
+            </a:r>
+          </a:p>
+        </p:txBody>
+      </p:sp>
+      <p:pic>
+        <p:nvPicPr>
+          <p:cNvPr id="5" name="Picture 4">
+            <a:extLst>
+              <a:ext uri="{FF2B5EF4-FFF2-40B4-BE49-F238E27FC236}">
+                <a16:creationId xmlns:a16="http://schemas.microsoft.com/office/drawing/2014/main" id="{D6D9C295-5FDB-4230-DCA5-80CABAB8757F}"/>
+              </a:ext>
+            </a:extLst>
+          </p:cNvPr>
+          <p:cNvPicPr>
+            <a:picLocks noChangeAspect="1"/>
+          </p:cNvPicPr>
+          <p:nvPr/>
+        </p:nvPicPr>
+        <p:blipFill>
+          <a:blip r:embed="rId2"/>
+          <a:stretch>
+            <a:fillRect/>
+          </a:stretch>
+        </p:blipFill>
+        <p:spPr>
+          <a:xfrm>
+            <a:off x="7069667" y="1424367"/>
+            <a:ext cx="1320800" cy="1776652"/>
+          </a:xfrm>
+          <a:prstGeom prst="rect">
+            <a:avLst/>
+          </a:prstGeom>
+        </p:spPr>
+      </p:pic>
+    </p:spTree>
+    <p:extLst>
+      <p:ext uri="{BB962C8B-B14F-4D97-AF65-F5344CB8AC3E}">
+        <p14:creationId xmlns:p14="http://schemas.microsoft.com/office/powerpoint/2010/main" val="254093412"/>
+      </p:ext>
+    </p:extLst>
+  </p:cSld>
+  <p:clrMapOvr>
+    <a:masterClrMapping/>
+  </p:clrMapOvr>
+</p:sld>
+</file>
+
+<file path=ppt/slides/slide11.xml><?xml version="1.0" encoding="utf-8"?>
+<p:sld xmlns:a="http://schemas.openxmlformats.org/drawingml/2006/main" xmlns:r="http://schemas.openxmlformats.org/officeDocument/2006/relationships" xmlns:p="http://schemas.openxmlformats.org/presentationml/2006/main">
+  <p:cSld>
+    <p:spTree>
+      <p:nvGrpSpPr>
+        <p:cNvPr id="1" name=""/>
+        <p:cNvGrpSpPr/>
+        <p:nvPr/>
+      </p:nvGrpSpPr>
+      <p:grpSpPr>
+        <a:xfrm>
+          <a:off x="0" y="0"/>
+          <a:ext cx="0" cy="0"/>
+          <a:chOff x="0" y="0"/>
+          <a:chExt cx="0" cy="0"/>
+        </a:xfrm>
+      </p:grpSpPr>
+      <p:sp>
+        <p:nvSpPr>
+          <p:cNvPr id="2" name="Title 1">
+            <a:extLst>
+              <a:ext uri="{FF2B5EF4-FFF2-40B4-BE49-F238E27FC236}">
+                <a16:creationId xmlns:a16="http://schemas.microsoft.com/office/drawing/2014/main" id="{704D59BF-968A-A79A-5F1D-4E3CE1BA170D}"/>
+              </a:ext>
+            </a:extLst>
+          </p:cNvPr>
+          <p:cNvSpPr>
+            <a:spLocks noGrp="1"/>
+          </p:cNvSpPr>
+          <p:nvPr>
+            <p:ph type="title"/>
+          </p:nvPr>
+        </p:nvSpPr>
+        <p:spPr/>
+        <p:txBody>
+          <a:bodyPr/>
+          <a:lstStyle/>
+          <a:p>
+            <a:r>
+              <a:rPr lang="en-US" dirty="0"/>
+              <a:t>R-UJSZENTIVAN </a:t>
+            </a:r>
+            <a:r>
+              <a:rPr lang="en-US" dirty="0" err="1"/>
+              <a:t>Kommandok</a:t>
+            </a:r>
+            <a:endParaRPr lang="en-US" dirty="0"/>
+          </a:p>
+        </p:txBody>
+      </p:sp>
+      <p:sp>
+        <p:nvSpPr>
+          <p:cNvPr id="7" name="Content Placeholder 6">
+            <a:extLst>
+              <a:ext uri="{FF2B5EF4-FFF2-40B4-BE49-F238E27FC236}">
+                <a16:creationId xmlns:a16="http://schemas.microsoft.com/office/drawing/2014/main" id="{08CEB70A-F156-79E0-C12F-A2925317BF0D}"/>
+              </a:ext>
+            </a:extLst>
+          </p:cNvPr>
+          <p:cNvSpPr>
+            <a:spLocks noGrp="1"/>
+          </p:cNvSpPr>
+          <p:nvPr>
+            <p:ph idx="1"/>
+          </p:nvPr>
+        </p:nvSpPr>
+        <p:spPr/>
+        <p:txBody>
+          <a:bodyPr>
+            <a:normAutofit fontScale="77500" lnSpcReduction="20000"/>
+          </a:bodyPr>
+          <a:lstStyle/>
+          <a:p>
+            <a:pPr marL="0" indent="0">
+              <a:buNone/>
+            </a:pPr>
+            <a:r>
+              <a:rPr lang="en-US" dirty="0"/>
+              <a:t> hostname R-UJSZENTIVAN</a:t>
+            </a:r>
+          </a:p>
+          <a:p>
+            <a:pPr marL="0" indent="0">
+              <a:buNone/>
+            </a:pPr>
+            <a:r>
+              <a:rPr lang="en-US" dirty="0"/>
+              <a:t> enable secret 5 $1$mERr$.sBeQ4nkWBbwCNrfZ7P97/</a:t>
+            </a:r>
+          </a:p>
+          <a:p>
+            <a:pPr marL="0" indent="0">
+              <a:buNone/>
+            </a:pPr>
+            <a:r>
+              <a:rPr lang="en-US" dirty="0"/>
+              <a:t> username OKOSKA password 0 GDszeged22</a:t>
+            </a:r>
+          </a:p>
+          <a:p>
+            <a:pPr marL="0" indent="0">
+              <a:buNone/>
+            </a:pPr>
+            <a:r>
+              <a:rPr lang="en-US" dirty="0"/>
+              <a:t> </a:t>
+            </a:r>
+            <a:r>
+              <a:rPr lang="en-US" dirty="0" err="1"/>
+              <a:t>ip</a:t>
+            </a:r>
+            <a:r>
+              <a:rPr lang="en-US" dirty="0"/>
+              <a:t> domain-name gdszeged.hu</a:t>
+            </a:r>
+          </a:p>
+          <a:p>
+            <a:pPr marL="0" indent="0">
+              <a:buNone/>
+            </a:pPr>
+            <a:r>
+              <a:rPr lang="en-US" dirty="0"/>
+              <a:t> interface GigabitEthernet0/0</a:t>
+            </a:r>
+          </a:p>
+          <a:p>
+            <a:pPr marL="0" indent="0">
+              <a:buNone/>
+            </a:pPr>
+            <a:r>
+              <a:rPr lang="en-US" dirty="0"/>
+              <a:t> </a:t>
+            </a:r>
+            <a:r>
+              <a:rPr lang="en-US" dirty="0" err="1"/>
+              <a:t>ip</a:t>
+            </a:r>
+            <a:r>
+              <a:rPr lang="en-US" dirty="0"/>
+              <a:t> address 187.20.0.129 255.255.255.192</a:t>
+            </a:r>
+          </a:p>
+          <a:p>
+            <a:pPr marL="0" indent="0">
+              <a:buNone/>
+            </a:pPr>
+            <a:r>
+              <a:rPr lang="en-US" dirty="0"/>
+              <a:t> interface GigabitEthernet1/0</a:t>
+            </a:r>
+          </a:p>
+          <a:p>
+            <a:pPr marL="0" indent="0">
+              <a:buNone/>
+            </a:pPr>
+            <a:r>
+              <a:rPr lang="en-US" dirty="0"/>
+              <a:t> </a:t>
+            </a:r>
+            <a:r>
+              <a:rPr lang="en-US" dirty="0" err="1"/>
+              <a:t>ip</a:t>
+            </a:r>
+            <a:r>
+              <a:rPr lang="en-US" dirty="0"/>
+              <a:t> address 187.20.0.193 255.255.255.252</a:t>
+            </a:r>
+          </a:p>
+          <a:p>
+            <a:pPr marL="0" indent="0">
+              <a:buNone/>
+            </a:pPr>
+            <a:r>
+              <a:rPr lang="en-US" dirty="0"/>
+              <a:t> router rip</a:t>
+            </a:r>
+          </a:p>
+          <a:p>
+            <a:pPr marL="0" indent="0">
+              <a:buNone/>
+            </a:pPr>
+            <a:r>
+              <a:rPr lang="en-US" dirty="0"/>
+              <a:t> </a:t>
+            </a:r>
+            <a:r>
+              <a:rPr lang="en-US" dirty="0" err="1"/>
+              <a:t>ip</a:t>
+            </a:r>
+            <a:r>
+              <a:rPr lang="en-US" dirty="0"/>
+              <a:t> route 192.168.50.0 255.255.255.0 187.20.0.194 </a:t>
+            </a:r>
+          </a:p>
+          <a:p>
+            <a:pPr marL="0" indent="0">
+              <a:buNone/>
+            </a:pPr>
+            <a:r>
+              <a:rPr lang="en-US" dirty="0"/>
+              <a:t> </a:t>
+            </a:r>
+            <a:r>
+              <a:rPr lang="en-US" dirty="0" err="1"/>
+              <a:t>ip</a:t>
+            </a:r>
+            <a:r>
+              <a:rPr lang="en-US" dirty="0"/>
+              <a:t> route 187.20.0.0 255.255.255.128 187.20.0.194 </a:t>
+            </a:r>
+          </a:p>
+          <a:p>
+            <a:pPr marL="0" indent="0">
+              <a:buNone/>
+            </a:pPr>
+            <a:r>
+              <a:rPr lang="en-US" dirty="0"/>
+              <a:t> </a:t>
+            </a:r>
+            <a:r>
+              <a:rPr lang="en-US" dirty="0" err="1"/>
+              <a:t>ip</a:t>
+            </a:r>
+            <a:r>
+              <a:rPr lang="en-US" dirty="0"/>
+              <a:t> route 187.20.0.204 255.255.255.252 187.20.0.194</a:t>
+            </a:r>
+          </a:p>
+        </p:txBody>
+      </p:sp>
+      <p:pic>
+        <p:nvPicPr>
+          <p:cNvPr id="9" name="Picture 8">
+            <a:extLst>
+              <a:ext uri="{FF2B5EF4-FFF2-40B4-BE49-F238E27FC236}">
+                <a16:creationId xmlns:a16="http://schemas.microsoft.com/office/drawing/2014/main" id="{B89CC7DD-1A4F-F204-5AD0-3DDBAF7EE795}"/>
+              </a:ext>
+            </a:extLst>
+          </p:cNvPr>
+          <p:cNvPicPr>
+            <a:picLocks noChangeAspect="1"/>
+          </p:cNvPicPr>
+          <p:nvPr/>
+        </p:nvPicPr>
+        <p:blipFill>
+          <a:blip r:embed="rId2"/>
+          <a:stretch>
+            <a:fillRect/>
+          </a:stretch>
+        </p:blipFill>
+        <p:spPr>
+          <a:xfrm>
+            <a:off x="7558189" y="1355021"/>
+            <a:ext cx="6134956" cy="2505425"/>
+          </a:xfrm>
+          <a:prstGeom prst="rect">
+            <a:avLst/>
+          </a:prstGeom>
+        </p:spPr>
+      </p:pic>
+    </p:spTree>
+    <p:extLst>
+      <p:ext uri="{BB962C8B-B14F-4D97-AF65-F5344CB8AC3E}">
+        <p14:creationId xmlns:p14="http://schemas.microsoft.com/office/powerpoint/2010/main" val="679032483"/>
+      </p:ext>
+    </p:extLst>
+  </p:cSld>
+  <p:clrMapOvr>
+    <a:masterClrMapping/>
+  </p:clrMapOvr>
+</p:sld>
+</file>
+
+<file path=ppt/slides/slide12.xml><?xml version="1.0" encoding="utf-8"?>
+<p:sld xmlns:a="http://schemas.openxmlformats.org/drawingml/2006/main" xmlns:r="http://schemas.openxmlformats.org/officeDocument/2006/relationships" xmlns:p="http://schemas.openxmlformats.org/presentationml/2006/main">
+  <p:cSld>
+    <p:spTree>
+      <p:nvGrpSpPr>
+        <p:cNvPr id="1" name=""/>
+        <p:cNvGrpSpPr/>
+        <p:nvPr/>
+      </p:nvGrpSpPr>
+      <p:grpSpPr>
+        <a:xfrm>
+          <a:off x="0" y="0"/>
+          <a:ext cx="0" cy="0"/>
+          <a:chOff x="0" y="0"/>
+          <a:chExt cx="0" cy="0"/>
+        </a:xfrm>
+      </p:grpSpPr>
+      <p:sp>
+        <p:nvSpPr>
+          <p:cNvPr id="2" name="Title 1">
+            <a:extLst>
+              <a:ext uri="{FF2B5EF4-FFF2-40B4-BE49-F238E27FC236}">
+                <a16:creationId xmlns:a16="http://schemas.microsoft.com/office/drawing/2014/main" id="{78A5579E-677E-392B-5C3D-6A6C8D38ACC3}"/>
+              </a:ext>
+            </a:extLst>
+          </p:cNvPr>
+          <p:cNvSpPr>
+            <a:spLocks noGrp="1"/>
+          </p:cNvSpPr>
+          <p:nvPr>
+            <p:ph type="title"/>
+          </p:nvPr>
+        </p:nvSpPr>
+        <p:spPr/>
+        <p:txBody>
+          <a:bodyPr/>
+          <a:lstStyle/>
+          <a:p>
+            <a:r>
+              <a:rPr lang="en-US" dirty="0"/>
+              <a:t>SW-UJSZENTIVAN </a:t>
+            </a:r>
+            <a:r>
+              <a:rPr lang="en-US" dirty="0" err="1"/>
+              <a:t>Kommandok</a:t>
+            </a:r>
+            <a:endParaRPr lang="en-US" dirty="0"/>
+          </a:p>
+        </p:txBody>
+      </p:sp>
+      <p:sp>
+        <p:nvSpPr>
+          <p:cNvPr id="3" name="Content Placeholder 2">
+            <a:extLst>
+              <a:ext uri="{FF2B5EF4-FFF2-40B4-BE49-F238E27FC236}">
+                <a16:creationId xmlns:a16="http://schemas.microsoft.com/office/drawing/2014/main" id="{F8931AC3-400E-CB93-DF02-F772F0DA6962}"/>
+              </a:ext>
+            </a:extLst>
+          </p:cNvPr>
+          <p:cNvSpPr>
+            <a:spLocks noGrp="1"/>
+          </p:cNvSpPr>
+          <p:nvPr>
+            <p:ph idx="1"/>
+          </p:nvPr>
+        </p:nvSpPr>
+        <p:spPr>
+          <a:xfrm>
+            <a:off x="838200" y="1524000"/>
+            <a:ext cx="10515600" cy="5130799"/>
+          </a:xfrm>
+        </p:spPr>
+        <p:txBody>
+          <a:bodyPr>
+            <a:normAutofit fontScale="70000" lnSpcReduction="20000"/>
+          </a:bodyPr>
+          <a:lstStyle/>
+          <a:p>
+            <a:pPr marL="0" indent="0">
+              <a:buNone/>
+            </a:pPr>
+            <a:r>
+              <a:rPr lang="en-US" dirty="0"/>
+              <a:t> hostname SW-</a:t>
+            </a:r>
+            <a:r>
+              <a:rPr lang="en-US" dirty="0" err="1"/>
+              <a:t>ujszentivan</a:t>
+            </a:r>
+            <a:endParaRPr lang="en-US" dirty="0"/>
+          </a:p>
+          <a:p>
+            <a:pPr marL="0" indent="0">
+              <a:buNone/>
+            </a:pPr>
+            <a:r>
+              <a:rPr lang="en-US" dirty="0"/>
+              <a:t> enable password PROJEKT1</a:t>
+            </a:r>
+          </a:p>
+          <a:p>
+            <a:pPr marL="0" indent="0">
+              <a:buNone/>
+            </a:pPr>
+            <a:r>
+              <a:rPr lang="en-US" dirty="0"/>
+              <a:t> username ADMIN1 privilege 1 password 0 GDszeged22</a:t>
+            </a:r>
+          </a:p>
+          <a:p>
+            <a:pPr marL="0" indent="0">
+              <a:buNone/>
+            </a:pPr>
+            <a:r>
+              <a:rPr lang="en-US" dirty="0"/>
+              <a:t> interface Vlan1</a:t>
+            </a:r>
+          </a:p>
+          <a:p>
+            <a:pPr marL="0" indent="0">
+              <a:buNone/>
+            </a:pPr>
+            <a:r>
+              <a:rPr lang="en-US" dirty="0"/>
+              <a:t> </a:t>
+            </a:r>
+            <a:r>
+              <a:rPr lang="en-US" dirty="0" err="1"/>
+              <a:t>ip</a:t>
+            </a:r>
+            <a:r>
+              <a:rPr lang="en-US" dirty="0"/>
+              <a:t> address 187.20.0.190 255.255.255.192</a:t>
+            </a:r>
+          </a:p>
+          <a:p>
+            <a:pPr marL="0" indent="0">
+              <a:buNone/>
+            </a:pPr>
+            <a:r>
+              <a:rPr lang="en-US" dirty="0"/>
+              <a:t> </a:t>
+            </a:r>
+            <a:r>
+              <a:rPr lang="en-US" dirty="0" err="1"/>
+              <a:t>ip</a:t>
+            </a:r>
+            <a:r>
+              <a:rPr lang="en-US" dirty="0"/>
+              <a:t> default-gateway 187.20.0.129</a:t>
+            </a:r>
+          </a:p>
+          <a:p>
+            <a:pPr marL="0" indent="0">
+              <a:buNone/>
+            </a:pPr>
+            <a:r>
+              <a:rPr lang="en-US" dirty="0"/>
+              <a:t> line con 0</a:t>
+            </a:r>
+          </a:p>
+          <a:p>
+            <a:pPr marL="0" indent="0">
+              <a:buNone/>
+            </a:pPr>
+            <a:r>
+              <a:rPr lang="en-US" dirty="0"/>
+              <a:t> line </a:t>
+            </a:r>
+            <a:r>
+              <a:rPr lang="en-US" dirty="0" err="1"/>
+              <a:t>vty</a:t>
+            </a:r>
+            <a:r>
+              <a:rPr lang="en-US" dirty="0"/>
+              <a:t> 0 4</a:t>
+            </a:r>
+          </a:p>
+          <a:p>
+            <a:pPr marL="0" indent="0">
+              <a:buNone/>
+            </a:pPr>
+            <a:r>
+              <a:rPr lang="en-US" dirty="0"/>
+              <a:t> password GDszeged22</a:t>
+            </a:r>
+          </a:p>
+          <a:p>
+            <a:pPr marL="0" indent="0">
+              <a:buNone/>
+            </a:pPr>
+            <a:r>
+              <a:rPr lang="en-US" dirty="0"/>
+              <a:t> login local</a:t>
+            </a:r>
+          </a:p>
+          <a:p>
+            <a:pPr marL="0" indent="0">
+              <a:buNone/>
+            </a:pPr>
+            <a:r>
+              <a:rPr lang="en-US" dirty="0"/>
+              <a:t> transport input telnet</a:t>
+            </a:r>
+          </a:p>
+          <a:p>
+            <a:pPr marL="0" indent="0">
+              <a:buNone/>
+            </a:pPr>
+            <a:r>
+              <a:rPr lang="en-US" dirty="0"/>
+              <a:t> line </a:t>
+            </a:r>
+            <a:r>
+              <a:rPr lang="en-US" dirty="0" err="1"/>
+              <a:t>vty</a:t>
+            </a:r>
+            <a:r>
+              <a:rPr lang="en-US" dirty="0"/>
+              <a:t> 5 15</a:t>
+            </a:r>
+          </a:p>
+          <a:p>
+            <a:pPr marL="0" indent="0">
+              <a:buNone/>
+            </a:pPr>
+            <a:r>
+              <a:rPr lang="en-US" dirty="0"/>
+              <a:t> password GDszeged22</a:t>
+            </a:r>
+          </a:p>
+          <a:p>
+            <a:pPr marL="0" indent="0">
+              <a:buNone/>
+            </a:pPr>
+            <a:r>
+              <a:rPr lang="en-US" dirty="0"/>
+              <a:t> login local</a:t>
+            </a:r>
+          </a:p>
+          <a:p>
+            <a:pPr marL="0" indent="0">
+              <a:buNone/>
+            </a:pPr>
+            <a:r>
+              <a:rPr lang="en-US" dirty="0"/>
+              <a:t> transport input telnet</a:t>
+            </a:r>
+          </a:p>
+        </p:txBody>
+      </p:sp>
+    </p:spTree>
+    <p:extLst>
+      <p:ext uri="{BB962C8B-B14F-4D97-AF65-F5344CB8AC3E}">
+        <p14:creationId xmlns:p14="http://schemas.microsoft.com/office/powerpoint/2010/main" val="2503115886"/>
+      </p:ext>
+    </p:extLst>
+  </p:cSld>
+  <p:clrMapOvr>
+    <a:masterClrMapping/>
+  </p:clrMapOvr>
+</p:sld>
+</file>
+
 <file path=ppt/slides/slide2.xml><?xml version="1.0" encoding="utf-8"?>
 <p:sld xmlns:a="http://schemas.openxmlformats.org/drawingml/2006/main" xmlns:r="http://schemas.openxmlformats.org/officeDocument/2006/relationships" xmlns:p="http://schemas.openxmlformats.org/presentationml/2006/main">
   <p:cSld>
@@ -4551,7 +5419,7 @@
           <p:cNvPr id="2" name="Title 1">
             <a:extLst>
               <a:ext uri="{FF2B5EF4-FFF2-40B4-BE49-F238E27FC236}">
-                <a16:creationId xmlns:a16="http://schemas.microsoft.com/office/drawing/2014/main" id="{776DDDBA-BA0D-9E08-98DD-9AAC78F0EE11}"/>
+                <a16:creationId xmlns:a16="http://schemas.microsoft.com/office/drawing/2014/main" id="{1760B4DF-B3DF-E9C3-D1AA-2B7FAF6268C6}"/>
               </a:ext>
             </a:extLst>
           </p:cNvPr>
@@ -4562,47 +5430,40 @@
             <p:ph type="title"/>
           </p:nvPr>
         </p:nvSpPr>
-        <p:spPr/>
+        <p:spPr>
+          <a:xfrm>
+            <a:off x="838200" y="2766218"/>
+            <a:ext cx="10515600" cy="1325563"/>
+          </a:xfrm>
+        </p:spPr>
         <p:txBody>
           <a:bodyPr/>
           <a:lstStyle/>
           <a:p>
+            <a:pPr algn="ctr"/>
+            <a:r>
+              <a:rPr lang="en-US" dirty="0" err="1"/>
+              <a:t>Kommandok</a:t>
+            </a:r>
             <a:r>
               <a:rPr lang="en-US" dirty="0"/>
-              <a:t>Source</a:t>
-            </a:r>
-          </a:p>
-        </p:txBody>
-      </p:sp>
-      <p:sp>
-        <p:nvSpPr>
-          <p:cNvPr id="3" name="Content Placeholder 2">
-            <a:extLst>
-              <a:ext uri="{FF2B5EF4-FFF2-40B4-BE49-F238E27FC236}">
-                <a16:creationId xmlns:a16="http://schemas.microsoft.com/office/drawing/2014/main" id="{EE55D94B-6AD2-F862-6D02-7C59AF879567}"/>
-              </a:ext>
-            </a:extLst>
-          </p:cNvPr>
-          <p:cNvSpPr>
-            <a:spLocks noGrp="1"/>
-          </p:cNvSpPr>
-          <p:nvPr>
-            <p:ph idx="1"/>
-          </p:nvPr>
-        </p:nvSpPr>
-        <p:spPr/>
-        <p:txBody>
-          <a:bodyPr/>
-          <a:lstStyle/>
-          <a:p>
-            <a:endParaRPr lang="en-US" dirty="0"/>
+              <a:t> </a:t>
+            </a:r>
+            <a:r>
+              <a:rPr lang="en-US" dirty="0" err="1"/>
+              <a:t>ig</a:t>
+            </a:r>
+            <a:r>
+              <a:rPr lang="en-US" dirty="0"/>
+              <a:t>?</a:t>
+            </a:r>
           </a:p>
         </p:txBody>
       </p:sp>
     </p:spTree>
     <p:extLst>
       <p:ext uri="{BB962C8B-B14F-4D97-AF65-F5344CB8AC3E}">
-        <p14:creationId xmlns:p14="http://schemas.microsoft.com/office/powerpoint/2010/main" val="254093412"/>
+        <p14:creationId xmlns:p14="http://schemas.microsoft.com/office/powerpoint/2010/main" val="3761615351"/>
       </p:ext>
     </p:extLst>
   </p:cSld>

--- a/PPT/2-3-Projektmunka.pptx
+++ b/PPT/2-3-Projektmunka.pptx
@@ -17,6 +17,8 @@
     <p:sldId id="264" r:id="rId11"/>
     <p:sldId id="265" r:id="rId12"/>
     <p:sldId id="266" r:id="rId13"/>
+    <p:sldId id="269" r:id="rId14"/>
+    <p:sldId id="270" r:id="rId15"/>
   </p:sldIdLst>
   <p:sldSz cx="12192000" cy="6858000"/>
   <p:notesSz cx="6858000" cy="9144000"/>
@@ -272,7 +274,7 @@
           <a:p>
             <a:fld id="{6F529839-42BE-4046-B495-20C90C63615A}" type="datetimeFigureOut">
               <a:rPr lang="en-US" smtClean="0"/>
-              <a:t>11/30/2022</a:t>
+              <a:t>12/1/2022</a:t>
             </a:fld>
             <a:endParaRPr lang="en-US"/>
           </a:p>
@@ -472,7 +474,7 @@
           <a:p>
             <a:fld id="{6F529839-42BE-4046-B495-20C90C63615A}" type="datetimeFigureOut">
               <a:rPr lang="en-US" smtClean="0"/>
-              <a:t>11/30/2022</a:t>
+              <a:t>12/1/2022</a:t>
             </a:fld>
             <a:endParaRPr lang="en-US"/>
           </a:p>
@@ -682,7 +684,7 @@
           <a:p>
             <a:fld id="{6F529839-42BE-4046-B495-20C90C63615A}" type="datetimeFigureOut">
               <a:rPr lang="en-US" smtClean="0"/>
-              <a:t>11/30/2022</a:t>
+              <a:t>12/1/2022</a:t>
             </a:fld>
             <a:endParaRPr lang="en-US"/>
           </a:p>
@@ -882,7 +884,7 @@
           <a:p>
             <a:fld id="{6F529839-42BE-4046-B495-20C90C63615A}" type="datetimeFigureOut">
               <a:rPr lang="en-US" smtClean="0"/>
-              <a:t>11/30/2022</a:t>
+              <a:t>12/1/2022</a:t>
             </a:fld>
             <a:endParaRPr lang="en-US"/>
           </a:p>
@@ -1158,7 +1160,7 @@
           <a:p>
             <a:fld id="{6F529839-42BE-4046-B495-20C90C63615A}" type="datetimeFigureOut">
               <a:rPr lang="en-US" smtClean="0"/>
-              <a:t>11/30/2022</a:t>
+              <a:t>12/1/2022</a:t>
             </a:fld>
             <a:endParaRPr lang="en-US"/>
           </a:p>
@@ -1426,7 +1428,7 @@
           <a:p>
             <a:fld id="{6F529839-42BE-4046-B495-20C90C63615A}" type="datetimeFigureOut">
               <a:rPr lang="en-US" smtClean="0"/>
-              <a:t>11/30/2022</a:t>
+              <a:t>12/1/2022</a:t>
             </a:fld>
             <a:endParaRPr lang="en-US"/>
           </a:p>
@@ -1841,7 +1843,7 @@
           <a:p>
             <a:fld id="{6F529839-42BE-4046-B495-20C90C63615A}" type="datetimeFigureOut">
               <a:rPr lang="en-US" smtClean="0"/>
-              <a:t>11/30/2022</a:t>
+              <a:t>12/1/2022</a:t>
             </a:fld>
             <a:endParaRPr lang="en-US"/>
           </a:p>
@@ -1983,7 +1985,7 @@
           <a:p>
             <a:fld id="{6F529839-42BE-4046-B495-20C90C63615A}" type="datetimeFigureOut">
               <a:rPr lang="en-US" smtClean="0"/>
-              <a:t>11/30/2022</a:t>
+              <a:t>12/1/2022</a:t>
             </a:fld>
             <a:endParaRPr lang="en-US"/>
           </a:p>
@@ -2096,7 +2098,7 @@
           <a:p>
             <a:fld id="{6F529839-42BE-4046-B495-20C90C63615A}" type="datetimeFigureOut">
               <a:rPr lang="en-US" smtClean="0"/>
-              <a:t>11/30/2022</a:t>
+              <a:t>12/1/2022</a:t>
             </a:fld>
             <a:endParaRPr lang="en-US"/>
           </a:p>
@@ -2409,7 +2411,7 @@
           <a:p>
             <a:fld id="{6F529839-42BE-4046-B495-20C90C63615A}" type="datetimeFigureOut">
               <a:rPr lang="en-US" smtClean="0"/>
-              <a:t>11/30/2022</a:t>
+              <a:t>12/1/2022</a:t>
             </a:fld>
             <a:endParaRPr lang="en-US"/>
           </a:p>
@@ -2698,7 +2700,7 @@
           <a:p>
             <a:fld id="{6F529839-42BE-4046-B495-20C90C63615A}" type="datetimeFigureOut">
               <a:rPr lang="en-US" smtClean="0"/>
-              <a:t>11/30/2022</a:t>
+              <a:t>12/1/2022</a:t>
             </a:fld>
             <a:endParaRPr lang="en-US"/>
           </a:p>
@@ -2941,7 +2943,7 @@
           <a:p>
             <a:fld id="{6F529839-42BE-4046-B495-20C90C63615A}" type="datetimeFigureOut">
               <a:rPr lang="en-US" smtClean="0"/>
-              <a:t>11/30/2022</a:t>
+              <a:t>12/1/2022</a:t>
             </a:fld>
             <a:endParaRPr lang="en-US"/>
           </a:p>
@@ -4301,6 +4303,404 @@
 </p:sld>
 </file>
 
+<file path=ppt/slides/slide13.xml><?xml version="1.0" encoding="utf-8"?>
+<p:sld xmlns:a="http://schemas.openxmlformats.org/drawingml/2006/main" xmlns:r="http://schemas.openxmlformats.org/officeDocument/2006/relationships" xmlns:p="http://schemas.openxmlformats.org/presentationml/2006/main">
+  <p:cSld>
+    <p:spTree>
+      <p:nvGrpSpPr>
+        <p:cNvPr id="1" name=""/>
+        <p:cNvGrpSpPr/>
+        <p:nvPr/>
+      </p:nvGrpSpPr>
+      <p:grpSpPr>
+        <a:xfrm>
+          <a:off x="0" y="0"/>
+          <a:ext cx="0" cy="0"/>
+          <a:chOff x="0" y="0"/>
+          <a:chExt cx="0" cy="0"/>
+        </a:xfrm>
+      </p:grpSpPr>
+      <p:sp>
+        <p:nvSpPr>
+          <p:cNvPr id="2" name="Cím 1">
+            <a:extLst>
+              <a:ext uri="{FF2B5EF4-FFF2-40B4-BE49-F238E27FC236}">
+                <a16:creationId xmlns:a16="http://schemas.microsoft.com/office/drawing/2014/main" id="{717CC657-65B4-4611-A2BF-8D475AC30A59}"/>
+              </a:ext>
+            </a:extLst>
+          </p:cNvPr>
+          <p:cNvSpPr>
+            <a:spLocks noGrp="1"/>
+          </p:cNvSpPr>
+          <p:nvPr>
+            <p:ph type="title"/>
+          </p:nvPr>
+        </p:nvSpPr>
+        <p:spPr/>
+        <p:txBody>
+          <a:bodyPr/>
+          <a:lstStyle/>
+          <a:p>
+            <a:r>
+              <a:rPr lang="hu-HU" dirty="0"/>
+              <a:t>Google hálózat</a:t>
+            </a:r>
+          </a:p>
+        </p:txBody>
+      </p:sp>
+      <p:pic>
+        <p:nvPicPr>
+          <p:cNvPr id="4" name="Tartalom helye 3">
+            <a:extLst>
+              <a:ext uri="{FF2B5EF4-FFF2-40B4-BE49-F238E27FC236}">
+                <a16:creationId xmlns:a16="http://schemas.microsoft.com/office/drawing/2014/main" id="{5126F193-D511-4B84-8478-BF1AA6F9C790}"/>
+              </a:ext>
+            </a:extLst>
+          </p:cNvPr>
+          <p:cNvPicPr>
+            <a:picLocks noGrp="1" noChangeAspect="1"/>
+          </p:cNvPicPr>
+          <p:nvPr>
+            <p:ph idx="1"/>
+          </p:nvPr>
+        </p:nvPicPr>
+        <p:blipFill>
+          <a:blip r:embed="rId2"/>
+          <a:stretch>
+            <a:fillRect/>
+          </a:stretch>
+        </p:blipFill>
+        <p:spPr>
+          <a:xfrm>
+            <a:off x="1022446" y="1557866"/>
+            <a:ext cx="8504574" cy="2692277"/>
+          </a:xfrm>
+          <a:prstGeom prst="rect">
+            <a:avLst/>
+          </a:prstGeom>
+        </p:spPr>
+      </p:pic>
+      <p:sp>
+        <p:nvSpPr>
+          <p:cNvPr id="5" name="Content Placeholder 2">
+            <a:extLst>
+              <a:ext uri="{FF2B5EF4-FFF2-40B4-BE49-F238E27FC236}">
+                <a16:creationId xmlns:a16="http://schemas.microsoft.com/office/drawing/2014/main" id="{D383EFC7-E752-4B30-AD54-9AE8D00ADACB}"/>
+              </a:ext>
+            </a:extLst>
+          </p:cNvPr>
+          <p:cNvSpPr txBox="1">
+            <a:spLocks/>
+          </p:cNvSpPr>
+          <p:nvPr/>
+        </p:nvSpPr>
+        <p:spPr>
+          <a:xfrm>
+            <a:off x="1022446" y="4529667"/>
+            <a:ext cx="3278621" cy="524933"/>
+          </a:xfrm>
+          <a:prstGeom prst="rect">
+            <a:avLst/>
+          </a:prstGeom>
+        </p:spPr>
+        <p:txBody>
+          <a:bodyPr vert="horz" lIns="91440" tIns="45720" rIns="91440" bIns="45720" rtlCol="0">
+            <a:normAutofit/>
+          </a:bodyPr>
+          <a:lstStyle>
+            <a:lvl1pPr marL="228600" indent="-228600" algn="l" defTabSz="914400" rtl="0" eaLnBrk="1" latinLnBrk="0" hangingPunct="1">
+              <a:lnSpc>
+                <a:spcPct val="90000"/>
+              </a:lnSpc>
+              <a:spcBef>
+                <a:spcPts val="1000"/>
+              </a:spcBef>
+              <a:buFont typeface="Arial" panose="020B0604020202020204" pitchFamily="34" charset="0"/>
+              <a:buChar char="•"/>
+              <a:defRPr sz="2800" kern="1200">
+                <a:solidFill>
+                  <a:schemeClr val="tx1"/>
+                </a:solidFill>
+                <a:latin typeface="+mn-lt"/>
+                <a:ea typeface="+mn-ea"/>
+                <a:cs typeface="+mn-cs"/>
+              </a:defRPr>
+            </a:lvl1pPr>
+            <a:lvl2pPr marL="685800" indent="-228600" algn="l" defTabSz="914400" rtl="0" eaLnBrk="1" latinLnBrk="0" hangingPunct="1">
+              <a:lnSpc>
+                <a:spcPct val="90000"/>
+              </a:lnSpc>
+              <a:spcBef>
+                <a:spcPts val="500"/>
+              </a:spcBef>
+              <a:buFont typeface="Arial" panose="020B0604020202020204" pitchFamily="34" charset="0"/>
+              <a:buChar char="•"/>
+              <a:defRPr sz="2400" kern="1200">
+                <a:solidFill>
+                  <a:schemeClr val="tx1"/>
+                </a:solidFill>
+                <a:latin typeface="+mn-lt"/>
+                <a:ea typeface="+mn-ea"/>
+                <a:cs typeface="+mn-cs"/>
+              </a:defRPr>
+            </a:lvl2pPr>
+            <a:lvl3pPr marL="1143000" indent="-228600" algn="l" defTabSz="914400" rtl="0" eaLnBrk="1" latinLnBrk="0" hangingPunct="1">
+              <a:lnSpc>
+                <a:spcPct val="90000"/>
+              </a:lnSpc>
+              <a:spcBef>
+                <a:spcPts val="500"/>
+              </a:spcBef>
+              <a:buFont typeface="Arial" panose="020B0604020202020204" pitchFamily="34" charset="0"/>
+              <a:buChar char="•"/>
+              <a:defRPr sz="2000" kern="1200">
+                <a:solidFill>
+                  <a:schemeClr val="tx1"/>
+                </a:solidFill>
+                <a:latin typeface="+mn-lt"/>
+                <a:ea typeface="+mn-ea"/>
+                <a:cs typeface="+mn-cs"/>
+              </a:defRPr>
+            </a:lvl3pPr>
+            <a:lvl4pPr marL="1600200" indent="-228600" algn="l" defTabSz="914400" rtl="0" eaLnBrk="1" latinLnBrk="0" hangingPunct="1">
+              <a:lnSpc>
+                <a:spcPct val="90000"/>
+              </a:lnSpc>
+              <a:spcBef>
+                <a:spcPts val="500"/>
+              </a:spcBef>
+              <a:buFont typeface="Arial" panose="020B0604020202020204" pitchFamily="34" charset="0"/>
+              <a:buChar char="•"/>
+              <a:defRPr sz="1800" kern="1200">
+                <a:solidFill>
+                  <a:schemeClr val="tx1"/>
+                </a:solidFill>
+                <a:latin typeface="+mn-lt"/>
+                <a:ea typeface="+mn-ea"/>
+                <a:cs typeface="+mn-cs"/>
+              </a:defRPr>
+            </a:lvl4pPr>
+            <a:lvl5pPr marL="2057400" indent="-228600" algn="l" defTabSz="914400" rtl="0" eaLnBrk="1" latinLnBrk="0" hangingPunct="1">
+              <a:lnSpc>
+                <a:spcPct val="90000"/>
+              </a:lnSpc>
+              <a:spcBef>
+                <a:spcPts val="500"/>
+              </a:spcBef>
+              <a:buFont typeface="Arial" panose="020B0604020202020204" pitchFamily="34" charset="0"/>
+              <a:buChar char="•"/>
+              <a:defRPr sz="1800" kern="1200">
+                <a:solidFill>
+                  <a:schemeClr val="tx1"/>
+                </a:solidFill>
+                <a:latin typeface="+mn-lt"/>
+                <a:ea typeface="+mn-ea"/>
+                <a:cs typeface="+mn-cs"/>
+              </a:defRPr>
+            </a:lvl5pPr>
+            <a:lvl6pPr marL="2514600" indent="-228600" algn="l" defTabSz="914400" rtl="0" eaLnBrk="1" latinLnBrk="0" hangingPunct="1">
+              <a:lnSpc>
+                <a:spcPct val="90000"/>
+              </a:lnSpc>
+              <a:spcBef>
+                <a:spcPts val="500"/>
+              </a:spcBef>
+              <a:buFont typeface="Arial" panose="020B0604020202020204" pitchFamily="34" charset="0"/>
+              <a:buChar char="•"/>
+              <a:defRPr sz="1800" kern="1200">
+                <a:solidFill>
+                  <a:schemeClr val="tx1"/>
+                </a:solidFill>
+                <a:latin typeface="+mn-lt"/>
+                <a:ea typeface="+mn-ea"/>
+                <a:cs typeface="+mn-cs"/>
+              </a:defRPr>
+            </a:lvl6pPr>
+            <a:lvl7pPr marL="2971800" indent="-228600" algn="l" defTabSz="914400" rtl="0" eaLnBrk="1" latinLnBrk="0" hangingPunct="1">
+              <a:lnSpc>
+                <a:spcPct val="90000"/>
+              </a:lnSpc>
+              <a:spcBef>
+                <a:spcPts val="500"/>
+              </a:spcBef>
+              <a:buFont typeface="Arial" panose="020B0604020202020204" pitchFamily="34" charset="0"/>
+              <a:buChar char="•"/>
+              <a:defRPr sz="1800" kern="1200">
+                <a:solidFill>
+                  <a:schemeClr val="tx1"/>
+                </a:solidFill>
+                <a:latin typeface="+mn-lt"/>
+                <a:ea typeface="+mn-ea"/>
+                <a:cs typeface="+mn-cs"/>
+              </a:defRPr>
+            </a:lvl7pPr>
+            <a:lvl8pPr marL="3429000" indent="-228600" algn="l" defTabSz="914400" rtl="0" eaLnBrk="1" latinLnBrk="0" hangingPunct="1">
+              <a:lnSpc>
+                <a:spcPct val="90000"/>
+              </a:lnSpc>
+              <a:spcBef>
+                <a:spcPts val="500"/>
+              </a:spcBef>
+              <a:buFont typeface="Arial" panose="020B0604020202020204" pitchFamily="34" charset="0"/>
+              <a:buChar char="•"/>
+              <a:defRPr sz="1800" kern="1200">
+                <a:solidFill>
+                  <a:schemeClr val="tx1"/>
+                </a:solidFill>
+                <a:latin typeface="+mn-lt"/>
+                <a:ea typeface="+mn-ea"/>
+                <a:cs typeface="+mn-cs"/>
+              </a:defRPr>
+            </a:lvl8pPr>
+            <a:lvl9pPr marL="3886200" indent="-228600" algn="l" defTabSz="914400" rtl="0" eaLnBrk="1" latinLnBrk="0" hangingPunct="1">
+              <a:lnSpc>
+                <a:spcPct val="90000"/>
+              </a:lnSpc>
+              <a:spcBef>
+                <a:spcPts val="500"/>
+              </a:spcBef>
+              <a:buFont typeface="Arial" panose="020B0604020202020204" pitchFamily="34" charset="0"/>
+              <a:buChar char="•"/>
+              <a:defRPr sz="1800" kern="1200">
+                <a:solidFill>
+                  <a:schemeClr val="tx1"/>
+                </a:solidFill>
+                <a:latin typeface="+mn-lt"/>
+                <a:ea typeface="+mn-ea"/>
+                <a:cs typeface="+mn-cs"/>
+              </a:defRPr>
+            </a:lvl9pPr>
+          </a:lstStyle>
+          <a:p>
+            <a:pPr marL="0" indent="0">
+              <a:buFont typeface="Arial" panose="020B0604020202020204" pitchFamily="34" charset="0"/>
+              <a:buNone/>
+            </a:pPr>
+            <a:r>
+              <a:rPr lang="hu-HU" dirty="0"/>
+              <a:t>DNS server </a:t>
+            </a:r>
+            <a:r>
+              <a:rPr lang="hu-HU" dirty="0" err="1"/>
+              <a:t>ip</a:t>
+            </a:r>
+            <a:r>
+              <a:rPr lang="hu-HU" dirty="0"/>
+              <a:t> cím</a:t>
+            </a:r>
+          </a:p>
+          <a:p>
+            <a:pPr marL="0" indent="0">
+              <a:buFont typeface="Arial" panose="020B0604020202020204" pitchFamily="34" charset="0"/>
+              <a:buNone/>
+            </a:pPr>
+            <a:endParaRPr lang="en-US" dirty="0"/>
+          </a:p>
+        </p:txBody>
+      </p:sp>
+    </p:spTree>
+    <p:extLst>
+      <p:ext uri="{BB962C8B-B14F-4D97-AF65-F5344CB8AC3E}">
+        <p14:creationId xmlns:p14="http://schemas.microsoft.com/office/powerpoint/2010/main" val="2978322148"/>
+      </p:ext>
+    </p:extLst>
+  </p:cSld>
+  <p:clrMapOvr>
+    <a:masterClrMapping/>
+  </p:clrMapOvr>
+</p:sld>
+</file>
+
+<file path=ppt/slides/slide14.xml><?xml version="1.0" encoding="utf-8"?>
+<p:sld xmlns:a="http://schemas.openxmlformats.org/drawingml/2006/main" xmlns:r="http://schemas.openxmlformats.org/officeDocument/2006/relationships" xmlns:p="http://schemas.openxmlformats.org/presentationml/2006/main">
+  <p:cSld>
+    <p:spTree>
+      <p:nvGrpSpPr>
+        <p:cNvPr id="1" name=""/>
+        <p:cNvGrpSpPr/>
+        <p:nvPr/>
+      </p:nvGrpSpPr>
+      <p:grpSpPr>
+        <a:xfrm>
+          <a:off x="0" y="0"/>
+          <a:ext cx="0" cy="0"/>
+          <a:chOff x="0" y="0"/>
+          <a:chExt cx="0" cy="0"/>
+        </a:xfrm>
+      </p:grpSpPr>
+      <p:sp>
+        <p:nvSpPr>
+          <p:cNvPr id="2" name="Cím 1">
+            <a:extLst>
+              <a:ext uri="{FF2B5EF4-FFF2-40B4-BE49-F238E27FC236}">
+                <a16:creationId xmlns:a16="http://schemas.microsoft.com/office/drawing/2014/main" id="{73F69040-3158-44B9-85D8-8A6EA9F1BD08}"/>
+              </a:ext>
+            </a:extLst>
+          </p:cNvPr>
+          <p:cNvSpPr>
+            <a:spLocks noGrp="1"/>
+          </p:cNvSpPr>
+          <p:nvPr>
+            <p:ph type="title"/>
+          </p:nvPr>
+        </p:nvSpPr>
+        <p:spPr/>
+        <p:txBody>
+          <a:bodyPr/>
+          <a:lstStyle/>
+          <a:p>
+            <a:r>
+              <a:rPr lang="hu-HU" dirty="0"/>
+              <a:t>HTML</a:t>
+            </a:r>
+          </a:p>
+        </p:txBody>
+      </p:sp>
+      <p:pic>
+        <p:nvPicPr>
+          <p:cNvPr id="4" name="Tartalom helye 3">
+            <a:extLst>
+              <a:ext uri="{FF2B5EF4-FFF2-40B4-BE49-F238E27FC236}">
+                <a16:creationId xmlns:a16="http://schemas.microsoft.com/office/drawing/2014/main" id="{ACEBC211-9249-482F-9271-8C86DA98951D}"/>
+              </a:ext>
+            </a:extLst>
+          </p:cNvPr>
+          <p:cNvPicPr>
+            <a:picLocks noGrp="1" noChangeAspect="1"/>
+          </p:cNvPicPr>
+          <p:nvPr>
+            <p:ph idx="1"/>
+          </p:nvPr>
+        </p:nvPicPr>
+        <p:blipFill>
+          <a:blip r:embed="rId2"/>
+          <a:stretch>
+            <a:fillRect/>
+          </a:stretch>
+        </p:blipFill>
+        <p:spPr>
+          <a:xfrm>
+            <a:off x="2100805" y="1825625"/>
+            <a:ext cx="7990390" cy="4351338"/>
+          </a:xfrm>
+          <a:prstGeom prst="rect">
+            <a:avLst/>
+          </a:prstGeom>
+        </p:spPr>
+      </p:pic>
+    </p:spTree>
+    <p:extLst>
+      <p:ext uri="{BB962C8B-B14F-4D97-AF65-F5344CB8AC3E}">
+        <p14:creationId xmlns:p14="http://schemas.microsoft.com/office/powerpoint/2010/main" val="3854585984"/>
+      </p:ext>
+    </p:extLst>
+  </p:cSld>
+  <p:clrMapOvr>
+    <a:masterClrMapping/>
+  </p:clrMapOvr>
+</p:sld>
+</file>
+
 <file path=ppt/slides/slide2.xml><?xml version="1.0" encoding="utf-8"?>
 <p:sld xmlns:a="http://schemas.openxmlformats.org/drawingml/2006/main" xmlns:r="http://schemas.openxmlformats.org/officeDocument/2006/relationships" xmlns:p="http://schemas.openxmlformats.org/presentationml/2006/main">
   <p:cSld>
@@ -5445,18 +5845,7 @@
               <a:rPr lang="en-US" dirty="0" err="1"/>
               <a:t>Kommandok</a:t>
             </a:r>
-            <a:r>
-              <a:rPr lang="en-US" dirty="0"/>
-              <a:t> </a:t>
-            </a:r>
-            <a:r>
-              <a:rPr lang="en-US" dirty="0" err="1"/>
-              <a:t>ig</a:t>
-            </a:r>
-            <a:r>
-              <a:rPr lang="en-US" dirty="0"/>
-              <a:t>?</a:t>
-            </a:r>
+            <a:endParaRPr lang="en-US" dirty="0"/>
           </a:p>
         </p:txBody>
       </p:sp>
